--- a/NextHike Project 5/Next Hike Project 5.pptx
+++ b/NextHike Project 5/Next Hike Project 5.pptx
@@ -9,16 +9,18 @@
     <p:sldId id="282" r:id="rId6"/>
     <p:sldId id="283" r:id="rId7"/>
     <p:sldId id="285" r:id="rId8"/>
-    <p:sldId id="286" r:id="rId9"/>
-    <p:sldId id="287" r:id="rId10"/>
-    <p:sldId id="288" r:id="rId11"/>
-    <p:sldId id="291" r:id="rId12"/>
-    <p:sldId id="292" r:id="rId13"/>
-    <p:sldId id="293" r:id="rId14"/>
-    <p:sldId id="301" r:id="rId15"/>
-    <p:sldId id="300" r:id="rId16"/>
-    <p:sldId id="302" r:id="rId17"/>
-    <p:sldId id="298" r:id="rId18"/>
+    <p:sldId id="303" r:id="rId9"/>
+    <p:sldId id="304" r:id="rId10"/>
+    <p:sldId id="286" r:id="rId11"/>
+    <p:sldId id="287" r:id="rId12"/>
+    <p:sldId id="288" r:id="rId13"/>
+    <p:sldId id="291" r:id="rId14"/>
+    <p:sldId id="292" r:id="rId15"/>
+    <p:sldId id="293" r:id="rId16"/>
+    <p:sldId id="301" r:id="rId17"/>
+    <p:sldId id="300" r:id="rId18"/>
+    <p:sldId id="302" r:id="rId19"/>
+    <p:sldId id="298" r:id="rId20"/>
   </p:sldIdLst>
   <p:sldSz cx="12192000" cy="6858000"/>
   <p:notesSz cx="6858000" cy="9144000"/>
@@ -128,7 +130,7 @@
 <file path=ppt/revisionInfo.xml><?xml version="1.0" encoding="utf-8"?>
 <p1510:revInfo xmlns:a="http://schemas.openxmlformats.org/drawingml/2006/main" xmlns:r="http://schemas.openxmlformats.org/officeDocument/2006/relationships" xmlns:p1510="http://schemas.microsoft.com/office/powerpoint/2015/10/main">
   <p1510:revLst>
-    <p1510:client id="{78892D6D-EBA4-4515-BD43-5ED0651AB2B2}" v="25" dt="2024-02-04T19:02:11.967"/>
+    <p1510:client id="{78892D6D-EBA4-4515-BD43-5ED0651AB2B2}" v="29" dt="2024-02-04T20:31:02.987"/>
   </p1510:revLst>
 </p1510:revInfo>
 </file>
@@ -138,7 +140,7 @@
   <pc:docChgLst>
     <pc:chgData name="Gaurav Kumar" userId="7be230cf5416a636" providerId="LiveId" clId="{78892D6D-EBA4-4515-BD43-5ED0651AB2B2}"/>
     <pc:docChg chg="undo custSel addSld delSld modSld sldOrd">
-      <pc:chgData name="Gaurav Kumar" userId="7be230cf5416a636" providerId="LiveId" clId="{78892D6D-EBA4-4515-BD43-5ED0651AB2B2}" dt="2024-02-04T19:12:01.048" v="1849" actId="14100"/>
+      <pc:chgData name="Gaurav Kumar" userId="7be230cf5416a636" providerId="LiveId" clId="{78892D6D-EBA4-4515-BD43-5ED0651AB2B2}" dt="2024-02-04T20:32:06.768" v="2001" actId="20577"/>
       <pc:docMkLst>
         <pc:docMk/>
       </pc:docMkLst>
@@ -405,7 +407,7 @@
         </pc:picChg>
       </pc:sldChg>
       <pc:sldChg chg="addSp delSp modSp mod">
-        <pc:chgData name="Gaurav Kumar" userId="7be230cf5416a636" providerId="LiveId" clId="{78892D6D-EBA4-4515-BD43-5ED0651AB2B2}" dt="2024-02-04T17:15:04.585" v="1087" actId="1076"/>
+        <pc:chgData name="Gaurav Kumar" userId="7be230cf5416a636" providerId="LiveId" clId="{78892D6D-EBA4-4515-BD43-5ED0651AB2B2}" dt="2024-02-04T20:15:34.199" v="1915" actId="20577"/>
         <pc:sldMkLst>
           <pc:docMk/>
           <pc:sldMk cId="3341939412" sldId="292"/>
@@ -419,7 +421,7 @@
           </ac:spMkLst>
         </pc:spChg>
         <pc:spChg chg="mod">
-          <ac:chgData name="Gaurav Kumar" userId="7be230cf5416a636" providerId="LiveId" clId="{78892D6D-EBA4-4515-BD43-5ED0651AB2B2}" dt="2024-02-04T17:14:56.371" v="1083" actId="14100"/>
+          <ac:chgData name="Gaurav Kumar" userId="7be230cf5416a636" providerId="LiveId" clId="{78892D6D-EBA4-4515-BD43-5ED0651AB2B2}" dt="2024-02-04T20:15:34.199" v="1915" actId="20577"/>
           <ac:spMkLst>
             <pc:docMk/>
             <pc:sldMk cId="3341939412" sldId="292"/>
@@ -435,7 +437,7 @@
           </ac:spMkLst>
         </pc:spChg>
         <pc:picChg chg="add mod">
-          <ac:chgData name="Gaurav Kumar" userId="7be230cf5416a636" providerId="LiveId" clId="{78892D6D-EBA4-4515-BD43-5ED0651AB2B2}" dt="2024-02-04T17:15:04.585" v="1087" actId="1076"/>
+          <ac:chgData name="Gaurav Kumar" userId="7be230cf5416a636" providerId="LiveId" clId="{78892D6D-EBA4-4515-BD43-5ED0651AB2B2}" dt="2024-02-04T20:15:23.601" v="1911" actId="1076"/>
           <ac:picMkLst>
             <pc:docMk/>
             <pc:sldMk cId="3341939412" sldId="292"/>
@@ -702,12 +704,106 @@
           </ac:picMkLst>
         </pc:picChg>
       </pc:sldChg>
+      <pc:sldChg chg="addSp modSp add mod ord">
+        <pc:chgData name="Gaurav Kumar" userId="7be230cf5416a636" providerId="LiveId" clId="{78892D6D-EBA4-4515-BD43-5ED0651AB2B2}" dt="2024-02-04T20:30:48.853" v="1931" actId="1076"/>
+        <pc:sldMkLst>
+          <pc:docMk/>
+          <pc:sldMk cId="2422734458" sldId="303"/>
+        </pc:sldMkLst>
+        <pc:spChg chg="mod">
+          <ac:chgData name="Gaurav Kumar" userId="7be230cf5416a636" providerId="LiveId" clId="{78892D6D-EBA4-4515-BD43-5ED0651AB2B2}" dt="2024-02-04T19:57:04.536" v="1901" actId="20577"/>
+          <ac:spMkLst>
+            <pc:docMk/>
+            <pc:sldMk cId="2422734458" sldId="303"/>
+            <ac:spMk id="2" creationId="{38BA8CF5-E4F3-A2B0-B2D5-98A1C3D94B6D}"/>
+          </ac:spMkLst>
+        </pc:spChg>
+        <pc:spChg chg="mod">
+          <ac:chgData name="Gaurav Kumar" userId="7be230cf5416a636" providerId="LiveId" clId="{78892D6D-EBA4-4515-BD43-5ED0651AB2B2}" dt="2024-02-04T20:30:29.812" v="1924" actId="20577"/>
+          <ac:spMkLst>
+            <pc:docMk/>
+            <pc:sldMk cId="2422734458" sldId="303"/>
+            <ac:spMk id="10" creationId="{90764244-9296-04E4-625E-8A8E37711406}"/>
+          </ac:spMkLst>
+        </pc:spChg>
+        <pc:picChg chg="add">
+          <ac:chgData name="Gaurav Kumar" userId="7be230cf5416a636" providerId="LiveId" clId="{78892D6D-EBA4-4515-BD43-5ED0651AB2B2}" dt="2024-02-04T19:56:21.991" v="1853"/>
+          <ac:picMkLst>
+            <pc:docMk/>
+            <pc:sldMk cId="2422734458" sldId="303"/>
+            <ac:picMk id="3" creationId="{10EA2532-9389-AA14-74C0-0F4B54C30210}"/>
+          </ac:picMkLst>
+        </pc:picChg>
+        <pc:picChg chg="add mod">
+          <ac:chgData name="Gaurav Kumar" userId="7be230cf5416a636" providerId="LiveId" clId="{78892D6D-EBA4-4515-BD43-5ED0651AB2B2}" dt="2024-02-04T20:30:48.853" v="1931" actId="1076"/>
+          <ac:picMkLst>
+            <pc:docMk/>
+            <pc:sldMk cId="2422734458" sldId="303"/>
+            <ac:picMk id="5" creationId="{DB2DA8ED-7BAF-D4AC-25C0-8EDBC1DDE57C}"/>
+          </ac:picMkLst>
+        </pc:picChg>
+        <pc:picChg chg="add mod">
+          <ac:chgData name="Gaurav Kumar" userId="7be230cf5416a636" providerId="LiveId" clId="{78892D6D-EBA4-4515-BD43-5ED0651AB2B2}" dt="2024-02-04T20:30:44.306" v="1930" actId="1076"/>
+          <ac:picMkLst>
+            <pc:docMk/>
+            <pc:sldMk cId="2422734458" sldId="303"/>
+            <ac:picMk id="7" creationId="{51F0E602-B5CF-7D67-D510-381FD05119A6}"/>
+          </ac:picMkLst>
+        </pc:picChg>
+      </pc:sldChg>
       <pc:sldChg chg="add del">
         <pc:chgData name="Gaurav Kumar" userId="7be230cf5416a636" providerId="LiveId" clId="{78892D6D-EBA4-4515-BD43-5ED0651AB2B2}" dt="2024-02-04T18:50:23.917" v="1297"/>
         <pc:sldMkLst>
           <pc:docMk/>
           <pc:sldMk cId="2579589616" sldId="303"/>
         </pc:sldMkLst>
+      </pc:sldChg>
+      <pc:sldChg chg="addSp delSp modSp add mod">
+        <pc:chgData name="Gaurav Kumar" userId="7be230cf5416a636" providerId="LiveId" clId="{78892D6D-EBA4-4515-BD43-5ED0651AB2B2}" dt="2024-02-04T20:32:06.768" v="2001" actId="20577"/>
+        <pc:sldMkLst>
+          <pc:docMk/>
+          <pc:sldMk cId="909068302" sldId="304"/>
+        </pc:sldMkLst>
+        <pc:spChg chg="mod">
+          <ac:chgData name="Gaurav Kumar" userId="7be230cf5416a636" providerId="LiveId" clId="{78892D6D-EBA4-4515-BD43-5ED0651AB2B2}" dt="2024-02-04T20:32:06.768" v="2001" actId="20577"/>
+          <ac:spMkLst>
+            <pc:docMk/>
+            <pc:sldMk cId="909068302" sldId="304"/>
+            <ac:spMk id="2" creationId="{6F57ADBF-7B0F-8B2B-CBD6-B10A414B67BC}"/>
+          </ac:spMkLst>
+        </pc:spChg>
+        <pc:spChg chg="del">
+          <ac:chgData name="Gaurav Kumar" userId="7be230cf5416a636" providerId="LiveId" clId="{78892D6D-EBA4-4515-BD43-5ED0651AB2B2}" dt="2024-02-04T20:31:40.795" v="1998" actId="478"/>
+          <ac:spMkLst>
+            <pc:docMk/>
+            <pc:sldMk cId="909068302" sldId="304"/>
+            <ac:spMk id="10" creationId="{B2794E86-2AE0-89EA-8217-53E38D40F244}"/>
+          </ac:spMkLst>
+        </pc:spChg>
+        <pc:picChg chg="add mod">
+          <ac:chgData name="Gaurav Kumar" userId="7be230cf5416a636" providerId="LiveId" clId="{78892D6D-EBA4-4515-BD43-5ED0651AB2B2}" dt="2024-02-04T20:31:56.774" v="2000" actId="1076"/>
+          <ac:picMkLst>
+            <pc:docMk/>
+            <pc:sldMk cId="909068302" sldId="304"/>
+            <ac:picMk id="4" creationId="{670E0D37-7DDF-F08C-AD53-4B4D7520ECBB}"/>
+          </ac:picMkLst>
+        </pc:picChg>
+        <pc:picChg chg="del">
+          <ac:chgData name="Gaurav Kumar" userId="7be230cf5416a636" providerId="LiveId" clId="{78892D6D-EBA4-4515-BD43-5ED0651AB2B2}" dt="2024-02-04T20:31:28.975" v="1996" actId="478"/>
+          <ac:picMkLst>
+            <pc:docMk/>
+            <pc:sldMk cId="909068302" sldId="304"/>
+            <ac:picMk id="5" creationId="{56163AA9-E335-CB79-7B71-9EB1194FF272}"/>
+          </ac:picMkLst>
+        </pc:picChg>
+        <pc:picChg chg="del">
+          <ac:chgData name="Gaurav Kumar" userId="7be230cf5416a636" providerId="LiveId" clId="{78892D6D-EBA4-4515-BD43-5ED0651AB2B2}" dt="2024-02-04T20:31:30.805" v="1997" actId="478"/>
+          <ac:picMkLst>
+            <pc:docMk/>
+            <pc:sldMk cId="909068302" sldId="304"/>
+            <ac:picMk id="7" creationId="{E8792ACA-DCE7-4749-A4ED-F129CDCF7093}"/>
+          </ac:picMkLst>
+        </pc:picChg>
       </pc:sldChg>
     </pc:docChg>
   </pc:docChgLst>
@@ -899,7 +995,7 @@
           <a:p>
             <a:fld id="{88D38747-4367-4BD2-8D51-C97E202738E2}" type="datetime1">
               <a:rPr lang="en-US" smtClean="0"/>
-              <a:t>2/4/2024</a:t>
+              <a:t>2/5/2024</a:t>
             </a:fld>
             <a:endParaRPr lang="en-US" dirty="0"/>
           </a:p>
@@ -1204,7 +1300,7 @@
           <a:p>
             <a:fld id="{11F1B079-7EF0-44EE-B798-BCC497C9F3B2}" type="datetime1">
               <a:rPr lang="en-US" smtClean="0"/>
-              <a:t>2/4/2024</a:t>
+              <a:t>2/5/2024</a:t>
             </a:fld>
             <a:endParaRPr lang="en-US" dirty="0"/>
           </a:p>
@@ -1398,7 +1494,7 @@
           <a:p>
             <a:fld id="{28FF70A8-1D13-4657-95F0-A9EA54967B8D}" type="datetime1">
               <a:rPr lang="en-US" smtClean="0"/>
-              <a:t>2/4/2024</a:t>
+              <a:t>2/5/2024</a:t>
             </a:fld>
             <a:endParaRPr lang="en-US" dirty="0"/>
           </a:p>
@@ -1661,7 +1757,7 @@
           <a:p>
             <a:fld id="{21EB90AC-71BD-4C7F-8ACA-7B3F18292E63}" type="datetime1">
               <a:rPr lang="en-US" smtClean="0"/>
-              <a:t>2/4/2024</a:t>
+              <a:t>2/5/2024</a:t>
             </a:fld>
             <a:endParaRPr lang="en-US" dirty="0"/>
           </a:p>
@@ -2097,7 +2193,7 @@
           <a:p>
             <a:fld id="{4E6EFC2C-8905-46F0-B443-CE905B76BA01}" type="datetime1">
               <a:rPr lang="en-US" smtClean="0"/>
-              <a:t>2/4/2024</a:t>
+              <a:t>2/5/2024</a:t>
             </a:fld>
             <a:endParaRPr lang="en-US" dirty="0"/>
           </a:p>
@@ -2634,7 +2730,7 @@
           <a:p>
             <a:fld id="{D9079DC3-C9B5-499E-9140-0DC28B7074E2}" type="datetime1">
               <a:rPr lang="en-US" smtClean="0"/>
-              <a:t>2/4/2024</a:t>
+              <a:t>2/5/2024</a:t>
             </a:fld>
             <a:endParaRPr lang="en-US" dirty="0"/>
           </a:p>
@@ -3516,7 +3612,7 @@
           <a:p>
             <a:fld id="{30BB33EA-E472-4D22-9C03-A9C14AA21CED}" type="datetime1">
               <a:rPr lang="en-US" smtClean="0"/>
-              <a:t>2/4/2024</a:t>
+              <a:t>2/5/2024</a:t>
             </a:fld>
             <a:endParaRPr lang="en-US" dirty="0"/>
           </a:p>
@@ -3686,7 +3782,7 @@
           <a:p>
             <a:fld id="{73C55A3C-5767-4844-A0A3-83778C2E5409}" type="datetime1">
               <a:rPr lang="en-US" smtClean="0"/>
-              <a:t>2/4/2024</a:t>
+              <a:t>2/5/2024</a:t>
             </a:fld>
             <a:endParaRPr lang="en-US" dirty="0"/>
           </a:p>
@@ -3930,7 +4026,7 @@
           <a:p>
             <a:fld id="{CAE507A8-A5CF-4D38-AB86-7EDDA87A85D4}" type="datetime1">
               <a:rPr lang="en-US" smtClean="0"/>
-              <a:t>2/4/2024</a:t>
+              <a:t>2/5/2024</a:t>
             </a:fld>
             <a:endParaRPr lang="en-US" dirty="0"/>
           </a:p>
@@ -4172,7 +4268,7 @@
           <a:p>
             <a:fld id="{BDFCD27C-8599-43EF-BA1D-14DDC1946E06}" type="datetime1">
               <a:rPr lang="en-US" smtClean="0"/>
-              <a:t>2/4/2024</a:t>
+              <a:t>2/5/2024</a:t>
             </a:fld>
             <a:endParaRPr lang="en-US" dirty="0"/>
           </a:p>
@@ -4655,7 +4751,7 @@
           <a:p>
             <a:fld id="{49343D99-809A-49C0-96E5-4250D0B498EE}" type="datetime1">
               <a:rPr lang="en-US" smtClean="0"/>
-              <a:t>2/4/2024</a:t>
+              <a:t>2/5/2024</a:t>
             </a:fld>
             <a:endParaRPr lang="en-US" dirty="0"/>
           </a:p>
@@ -4773,7 +4869,7 @@
           <a:p>
             <a:fld id="{A143DE9B-B678-4EFB-BB7D-A4370204A0B0}" type="datetime1">
               <a:rPr lang="en-US" smtClean="0"/>
-              <a:t>2/4/2024</a:t>
+              <a:t>2/5/2024</a:t>
             </a:fld>
             <a:endParaRPr lang="en-US" dirty="0"/>
           </a:p>
@@ -4868,7 +4964,7 @@
           <a:p>
             <a:fld id="{E68812DA-F765-4142-A6A3-A8ED7235E082}" type="datetime1">
               <a:rPr lang="en-US" smtClean="0"/>
-              <a:t>2/4/2024</a:t>
+              <a:t>2/5/2024</a:t>
             </a:fld>
             <a:endParaRPr lang="en-US" dirty="0"/>
           </a:p>
@@ -5123,7 +5219,7 @@
           <a:p>
             <a:fld id="{3E0277FD-7DE6-41D4-930D-AC99F5AFE54E}" type="datetime1">
               <a:rPr lang="en-US" smtClean="0"/>
-              <a:t>2/4/2024</a:t>
+              <a:t>2/5/2024</a:t>
             </a:fld>
             <a:endParaRPr lang="en-US" dirty="0"/>
           </a:p>
@@ -5430,7 +5526,7 @@
           <a:p>
             <a:fld id="{9EA15526-7079-4B7B-987C-1B5FAE11A0FF}" type="datetime1">
               <a:rPr lang="en-US" smtClean="0"/>
-              <a:t>2/4/2024</a:t>
+              <a:t>2/5/2024</a:t>
             </a:fld>
             <a:endParaRPr lang="en-US" dirty="0"/>
           </a:p>
@@ -5665,7 +5761,7 @@
           <a:p>
             <a:fld id="{073ED0CC-082F-4160-86E5-0D6041F12778}" type="datetime1">
               <a:rPr lang="en-US" smtClean="0"/>
-              <a:t>2/4/2024</a:t>
+              <a:t>2/5/2024</a:t>
             </a:fld>
             <a:endParaRPr lang="en-US" dirty="0"/>
           </a:p>
@@ -6580,7 +6676,7 @@
           </a:effectLst>
           <a:extLst>
             <a:ext uri="{91240B29-F687-4f45-9708-019B960494DF}">
-              <a14:hiddenLine xmlns="" xmlns:a14="http://schemas.microsoft.com/office/drawing/2010/main" xmlns:p14="http://schemas.microsoft.com/office/powerpoint/2010/main" xmlns:a16="http://schemas.microsoft.com/office/drawing/2014/main" w="9525">
+              <a14:hiddenLine xmlns:a16="http://schemas.microsoft.com/office/drawing/2014/main" xmlns:p14="http://schemas.microsoft.com/office/powerpoint/2010/main" xmlns:a14="http://schemas.microsoft.com/office/drawing/2010/main" xmlns="" w="9525">
                 <a:solidFill>
                   <a:srgbClr val="000000"/>
                 </a:solidFill>
@@ -6763,6 +6859,358 @@
         <p:spPr>
           <a:xfrm>
             <a:off x="262629" y="166254"/>
+            <a:ext cx="11292061" cy="817418"/>
+          </a:xfrm>
+        </p:spPr>
+        <p:txBody>
+          <a:bodyPr>
+            <a:normAutofit/>
+          </a:bodyPr>
+          <a:lstStyle/>
+          <a:p>
+            <a:pPr algn="l"/>
+            <a:r>
+              <a:rPr lang="en-US" b="1" dirty="0">
+                <a:solidFill>
+                  <a:srgbClr val="D1D5DB"/>
+                </a:solidFill>
+                <a:effectLst/>
+                <a:latin typeface="Söhne"/>
+              </a:rPr>
+              <a:t>Top 3 most used applications</a:t>
+            </a:r>
+            <a:endParaRPr lang="en-US" b="1" i="0" dirty="0">
+              <a:solidFill>
+                <a:srgbClr val="D1D5DB"/>
+              </a:solidFill>
+              <a:effectLst/>
+              <a:latin typeface="Söhne"/>
+            </a:endParaRPr>
+          </a:p>
+        </p:txBody>
+      </p:sp>
+      <p:pic>
+        <p:nvPicPr>
+          <p:cNvPr id="5" name="Picture 4">
+            <a:extLst>
+              <a:ext uri="{FF2B5EF4-FFF2-40B4-BE49-F238E27FC236}">
+                <a16:creationId xmlns:a16="http://schemas.microsoft.com/office/drawing/2014/main" id="{F284B116-32FB-84F2-0314-C6FB30BA9FFB}"/>
+              </a:ext>
+            </a:extLst>
+          </p:cNvPr>
+          <p:cNvPicPr>
+            <a:picLocks noChangeAspect="1"/>
+          </p:cNvPicPr>
+          <p:nvPr/>
+        </p:nvPicPr>
+        <p:blipFill>
+          <a:blip r:embed="rId2"/>
+          <a:stretch>
+            <a:fillRect/>
+          </a:stretch>
+        </p:blipFill>
+        <p:spPr>
+          <a:xfrm>
+            <a:off x="399789" y="1794162"/>
+            <a:ext cx="6601746" cy="4487565"/>
+          </a:xfrm>
+          <a:prstGeom prst="rect">
+            <a:avLst/>
+          </a:prstGeom>
+        </p:spPr>
+      </p:pic>
+      <p:sp>
+        <p:nvSpPr>
+          <p:cNvPr id="6" name="Content Placeholder 2">
+            <a:extLst>
+              <a:ext uri="{FF2B5EF4-FFF2-40B4-BE49-F238E27FC236}">
+                <a16:creationId xmlns:a16="http://schemas.microsoft.com/office/drawing/2014/main" id="{CAC3C9DB-880D-F30C-CD03-E29D8DC48CDE}"/>
+              </a:ext>
+            </a:extLst>
+          </p:cNvPr>
+          <p:cNvSpPr>
+            <a:spLocks noGrp="1"/>
+          </p:cNvSpPr>
+          <p:nvPr>
+            <p:ph idx="1"/>
+          </p:nvPr>
+        </p:nvSpPr>
+        <p:spPr>
+          <a:xfrm>
+            <a:off x="262629" y="976744"/>
+            <a:ext cx="11028823" cy="817418"/>
+          </a:xfrm>
+        </p:spPr>
+        <p:txBody>
+          <a:bodyPr>
+            <a:normAutofit lnSpcReduction="10000"/>
+          </a:bodyPr>
+          <a:lstStyle/>
+          <a:p>
+            <a:pPr algn="l"/>
+            <a:r>
+              <a:rPr lang="en-US" b="1" i="0" dirty="0">
+                <a:solidFill>
+                  <a:srgbClr val="D1D5DB"/>
+                </a:solidFill>
+                <a:effectLst/>
+                <a:latin typeface="Söhne"/>
+              </a:rPr>
+              <a:t>After conducting analysis on </a:t>
+            </a:r>
+            <a:r>
+              <a:rPr lang="en-US" b="1" i="0" dirty="0" err="1">
+                <a:solidFill>
+                  <a:srgbClr val="D1D5DB"/>
+                </a:solidFill>
+                <a:effectLst/>
+                <a:latin typeface="Söhne"/>
+              </a:rPr>
+              <a:t>User_Engagement_Dtatset</a:t>
+            </a:r>
+            <a:r>
+              <a:rPr lang="en-US" b="1" i="0" dirty="0">
+                <a:solidFill>
+                  <a:srgbClr val="D1D5DB"/>
+                </a:solidFill>
+                <a:effectLst/>
+                <a:latin typeface="Söhne"/>
+              </a:rPr>
+              <a:t>, it was determined that users are mostly using traffic for Gaming, Other and </a:t>
+            </a:r>
+            <a:r>
+              <a:rPr lang="en-US" b="1" i="0" dirty="0" err="1">
+                <a:solidFill>
+                  <a:srgbClr val="D1D5DB"/>
+                </a:solidFill>
+                <a:effectLst/>
+                <a:latin typeface="Söhne"/>
+              </a:rPr>
+              <a:t>Youtube</a:t>
+            </a:r>
+            <a:r>
+              <a:rPr lang="en-US" b="1" i="0" dirty="0">
+                <a:solidFill>
+                  <a:srgbClr val="D1D5DB"/>
+                </a:solidFill>
+                <a:effectLst/>
+                <a:latin typeface="Söhne"/>
+              </a:rPr>
+              <a:t>.</a:t>
+            </a:r>
+          </a:p>
+        </p:txBody>
+      </p:sp>
+    </p:spTree>
+    <p:extLst>
+      <p:ext uri="{BB962C8B-B14F-4D97-AF65-F5344CB8AC3E}">
+        <p14:creationId xmlns:p14="http://schemas.microsoft.com/office/powerpoint/2010/main" val="2713305161"/>
+      </p:ext>
+    </p:extLst>
+  </p:cSld>
+  <p:clrMapOvr>
+    <a:masterClrMapping/>
+  </p:clrMapOvr>
+</p:sld>
+</file>
+
+<file path=ppt/slides/slide11.xml><?xml version="1.0" encoding="utf-8"?>
+<p:sld xmlns:a="http://schemas.openxmlformats.org/drawingml/2006/main" xmlns:r="http://schemas.openxmlformats.org/officeDocument/2006/relationships" xmlns:p="http://schemas.openxmlformats.org/presentationml/2006/main">
+  <p:cSld>
+    <p:spTree>
+      <p:nvGrpSpPr>
+        <p:cNvPr id="1" name=""/>
+        <p:cNvGrpSpPr/>
+        <p:nvPr/>
+      </p:nvGrpSpPr>
+      <p:grpSpPr>
+        <a:xfrm>
+          <a:off x="0" y="0"/>
+          <a:ext cx="0" cy="0"/>
+          <a:chOff x="0" y="0"/>
+          <a:chExt cx="0" cy="0"/>
+        </a:xfrm>
+      </p:grpSpPr>
+      <p:sp>
+        <p:nvSpPr>
+          <p:cNvPr id="2" name="Title 1">
+            <a:extLst>
+              <a:ext uri="{FF2B5EF4-FFF2-40B4-BE49-F238E27FC236}">
+                <a16:creationId xmlns:a16="http://schemas.microsoft.com/office/drawing/2014/main" id="{610FF4A8-6B3B-148A-88C6-286454AA0E03}"/>
+              </a:ext>
+            </a:extLst>
+          </p:cNvPr>
+          <p:cNvSpPr>
+            <a:spLocks noGrp="1"/>
+          </p:cNvSpPr>
+          <p:nvPr>
+            <p:ph type="title"/>
+          </p:nvPr>
+        </p:nvSpPr>
+        <p:spPr>
+          <a:xfrm>
+            <a:off x="262629" y="166254"/>
+            <a:ext cx="8165091" cy="817418"/>
+          </a:xfrm>
+        </p:spPr>
+        <p:txBody>
+          <a:bodyPr>
+            <a:normAutofit/>
+          </a:bodyPr>
+          <a:lstStyle/>
+          <a:p>
+            <a:pPr algn="l"/>
+            <a:r>
+              <a:rPr lang="en-IN" b="1" i="0" dirty="0">
+                <a:effectLst/>
+                <a:latin typeface="Söhne"/>
+              </a:rPr>
+              <a:t>Elbow method to find Optimal K</a:t>
+            </a:r>
+          </a:p>
+        </p:txBody>
+      </p:sp>
+      <p:sp>
+        <p:nvSpPr>
+          <p:cNvPr id="3" name="Content Placeholder 2">
+            <a:extLst>
+              <a:ext uri="{FF2B5EF4-FFF2-40B4-BE49-F238E27FC236}">
+                <a16:creationId xmlns:a16="http://schemas.microsoft.com/office/drawing/2014/main" id="{D31C639C-64D8-DF21-E534-A903F3D64306}"/>
+              </a:ext>
+            </a:extLst>
+          </p:cNvPr>
+          <p:cNvSpPr>
+            <a:spLocks noGrp="1"/>
+          </p:cNvSpPr>
+          <p:nvPr>
+            <p:ph idx="1"/>
+          </p:nvPr>
+        </p:nvSpPr>
+        <p:spPr>
+          <a:xfrm>
+            <a:off x="525867" y="983672"/>
+            <a:ext cx="11028823" cy="1271848"/>
+          </a:xfrm>
+        </p:spPr>
+        <p:txBody>
+          <a:bodyPr>
+            <a:normAutofit fontScale="77500" lnSpcReduction="20000"/>
+          </a:bodyPr>
+          <a:lstStyle/>
+          <a:p>
+            <a:pPr algn="l"/>
+            <a:r>
+              <a:rPr lang="en-US" b="1" dirty="0">
+                <a:solidFill>
+                  <a:srgbClr val="D1D5DB"/>
+                </a:solidFill>
+                <a:effectLst/>
+                <a:latin typeface="Söhne"/>
+              </a:rPr>
+              <a:t>The elbow point in the chart is at k=2, it suggests that having 2 clusters is an optimal choice for k-means clustering algorithm based on the engagement metrics.</a:t>
+            </a:r>
+          </a:p>
+          <a:p>
+            <a:pPr algn="l"/>
+            <a:r>
+              <a:rPr lang="en-US" b="1" dirty="0">
+                <a:solidFill>
+                  <a:srgbClr val="D1D5DB"/>
+                </a:solidFill>
+                <a:effectLst/>
+                <a:latin typeface="Söhne"/>
+              </a:rPr>
+              <a:t>The plot shows a clear elbow point, it suggests that there is a natural grouping in the data, and the optimal k is the value at the elbow.</a:t>
+            </a:r>
+            <a:endParaRPr lang="en-US" b="0" i="0" dirty="0">
+              <a:solidFill>
+                <a:srgbClr val="D1D5DB"/>
+              </a:solidFill>
+              <a:effectLst/>
+              <a:latin typeface="Söhne"/>
+            </a:endParaRPr>
+          </a:p>
+        </p:txBody>
+      </p:sp>
+      <p:pic>
+        <p:nvPicPr>
+          <p:cNvPr id="5" name="Picture 4">
+            <a:extLst>
+              <a:ext uri="{FF2B5EF4-FFF2-40B4-BE49-F238E27FC236}">
+                <a16:creationId xmlns:a16="http://schemas.microsoft.com/office/drawing/2014/main" id="{4236CA0D-5108-40F5-D29B-14EEDD6D0E47}"/>
+              </a:ext>
+            </a:extLst>
+          </p:cNvPr>
+          <p:cNvPicPr>
+            <a:picLocks noChangeAspect="1"/>
+          </p:cNvPicPr>
+          <p:nvPr/>
+        </p:nvPicPr>
+        <p:blipFill>
+          <a:blip r:embed="rId2"/>
+          <a:stretch>
+            <a:fillRect/>
+          </a:stretch>
+        </p:blipFill>
+        <p:spPr>
+          <a:xfrm>
+            <a:off x="525867" y="2493818"/>
+            <a:ext cx="5249008" cy="4115374"/>
+          </a:xfrm>
+          <a:prstGeom prst="rect">
+            <a:avLst/>
+          </a:prstGeom>
+        </p:spPr>
+      </p:pic>
+    </p:spTree>
+    <p:extLst>
+      <p:ext uri="{BB962C8B-B14F-4D97-AF65-F5344CB8AC3E}">
+        <p14:creationId xmlns:p14="http://schemas.microsoft.com/office/powerpoint/2010/main" val="3341939412"/>
+      </p:ext>
+    </p:extLst>
+  </p:cSld>
+  <p:clrMapOvr>
+    <a:masterClrMapping/>
+  </p:clrMapOvr>
+</p:sld>
+</file>
+
+<file path=ppt/slides/slide12.xml><?xml version="1.0" encoding="utf-8"?>
+<p:sld xmlns:a="http://schemas.openxmlformats.org/drawingml/2006/main" xmlns:r="http://schemas.openxmlformats.org/officeDocument/2006/relationships" xmlns:p="http://schemas.openxmlformats.org/presentationml/2006/main">
+  <p:cSld>
+    <p:spTree>
+      <p:nvGrpSpPr>
+        <p:cNvPr id="1" name=""/>
+        <p:cNvGrpSpPr/>
+        <p:nvPr/>
+      </p:nvGrpSpPr>
+      <p:grpSpPr>
+        <a:xfrm>
+          <a:off x="0" y="0"/>
+          <a:ext cx="0" cy="0"/>
+          <a:chOff x="0" y="0"/>
+          <a:chExt cx="0" cy="0"/>
+        </a:xfrm>
+      </p:grpSpPr>
+      <p:sp>
+        <p:nvSpPr>
+          <p:cNvPr id="2" name="Title 1">
+            <a:extLst>
+              <a:ext uri="{FF2B5EF4-FFF2-40B4-BE49-F238E27FC236}">
+                <a16:creationId xmlns:a16="http://schemas.microsoft.com/office/drawing/2014/main" id="{610FF4A8-6B3B-148A-88C6-286454AA0E03}"/>
+              </a:ext>
+            </a:extLst>
+          </p:cNvPr>
+          <p:cNvSpPr>
+            <a:spLocks noGrp="1"/>
+          </p:cNvSpPr>
+          <p:nvPr>
+            <p:ph type="title"/>
+          </p:nvPr>
+        </p:nvSpPr>
+        <p:spPr>
+          <a:xfrm>
+            <a:off x="262629" y="166254"/>
             <a:ext cx="7128771" cy="817418"/>
           </a:xfrm>
         </p:spPr>
@@ -6905,7 +7353,7 @@
 </p:sld>
 </file>
 
-<file path=ppt/slides/slide11.xml><?xml version="1.0" encoding="utf-8"?>
+<file path=ppt/slides/slide13.xml><?xml version="1.0" encoding="utf-8"?>
 <p:sld xmlns:a="http://schemas.openxmlformats.org/drawingml/2006/main" xmlns:r="http://schemas.openxmlformats.org/officeDocument/2006/relationships" xmlns:p="http://schemas.openxmlformats.org/presentationml/2006/main">
   <p:cSld>
     <p:spTree>
@@ -7092,7 +7540,7 @@
 </p:sld>
 </file>
 
-<file path=ppt/slides/slide12.xml><?xml version="1.0" encoding="utf-8"?>
+<file path=ppt/slides/slide14.xml><?xml version="1.0" encoding="utf-8"?>
 <p:sld xmlns:a="http://schemas.openxmlformats.org/drawingml/2006/main" xmlns:r="http://schemas.openxmlformats.org/officeDocument/2006/relationships" xmlns:p="http://schemas.openxmlformats.org/presentationml/2006/main">
   <p:cSld>
     <p:spTree>
@@ -7262,7 +7710,7 @@
 </p:sld>
 </file>
 
-<file path=ppt/slides/slide13.xml><?xml version="1.0" encoding="utf-8"?>
+<file path=ppt/slides/slide15.xml><?xml version="1.0" encoding="utf-8"?>
 <p:sld xmlns:a="http://schemas.openxmlformats.org/drawingml/2006/main" xmlns:r="http://schemas.openxmlformats.org/officeDocument/2006/relationships" xmlns:p="http://schemas.openxmlformats.org/presentationml/2006/main">
   <p:cSld>
     <p:spTree>
@@ -7357,7 +7805,7 @@
 </p:sld>
 </file>
 
-<file path=ppt/slides/slide14.xml><?xml version="1.0" encoding="utf-8"?>
+<file path=ppt/slides/slide16.xml><?xml version="1.0" encoding="utf-8"?>
 <p:sld xmlns:a="http://schemas.openxmlformats.org/drawingml/2006/main" xmlns:r="http://schemas.openxmlformats.org/officeDocument/2006/relationships" xmlns:p="http://schemas.openxmlformats.org/presentationml/2006/main">
   <p:cSld>
     <p:spTree>
@@ -8132,6 +8580,303 @@
   <p:cSld>
     <p:spTree>
       <p:nvGrpSpPr>
+        <p:cNvPr id="1" name="">
+          <a:extLst>
+            <a:ext uri="{FF2B5EF4-FFF2-40B4-BE49-F238E27FC236}">
+              <a16:creationId xmlns:a16="http://schemas.microsoft.com/office/drawing/2014/main" id="{7DB0DDC8-666C-C8E2-7E3C-B0C09C44CE31}"/>
+            </a:ext>
+          </a:extLst>
+        </p:cNvPr>
+        <p:cNvGrpSpPr/>
+        <p:nvPr/>
+      </p:nvGrpSpPr>
+      <p:grpSpPr>
+        <a:xfrm>
+          <a:off x="0" y="0"/>
+          <a:ext cx="0" cy="0"/>
+          <a:chOff x="0" y="0"/>
+          <a:chExt cx="0" cy="0"/>
+        </a:xfrm>
+      </p:grpSpPr>
+      <p:sp>
+        <p:nvSpPr>
+          <p:cNvPr id="2" name="Title 1">
+            <a:extLst>
+              <a:ext uri="{FF2B5EF4-FFF2-40B4-BE49-F238E27FC236}">
+                <a16:creationId xmlns:a16="http://schemas.microsoft.com/office/drawing/2014/main" id="{38BA8CF5-E4F3-A2B0-B2D5-98A1C3D94B6D}"/>
+              </a:ext>
+            </a:extLst>
+          </p:cNvPr>
+          <p:cNvSpPr>
+            <a:spLocks noGrp="1"/>
+          </p:cNvSpPr>
+          <p:nvPr>
+            <p:ph type="title"/>
+          </p:nvPr>
+        </p:nvSpPr>
+        <p:spPr>
+          <a:xfrm>
+            <a:off x="262630" y="166254"/>
+            <a:ext cx="7601210" cy="817418"/>
+          </a:xfrm>
+        </p:spPr>
+        <p:txBody>
+          <a:bodyPr>
+            <a:normAutofit/>
+          </a:bodyPr>
+          <a:lstStyle/>
+          <a:p>
+            <a:pPr algn="l"/>
+            <a:r>
+              <a:rPr lang="it-IT" sz="4100" b="1" dirty="0">
+                <a:effectLst/>
+                <a:latin typeface="Söhne"/>
+              </a:rPr>
+              <a:t>Leading Handset Manufactures</a:t>
+            </a:r>
+            <a:endParaRPr lang="en-IN" sz="4100" b="1" dirty="0">
+              <a:effectLst/>
+              <a:latin typeface="Söhne"/>
+            </a:endParaRPr>
+          </a:p>
+        </p:txBody>
+      </p:sp>
+      <p:sp>
+        <p:nvSpPr>
+          <p:cNvPr id="10" name="TextBox 9">
+            <a:extLst>
+              <a:ext uri="{FF2B5EF4-FFF2-40B4-BE49-F238E27FC236}">
+                <a16:creationId xmlns:a16="http://schemas.microsoft.com/office/drawing/2014/main" id="{90764244-9296-04E4-625E-8A8E37711406}"/>
+              </a:ext>
+            </a:extLst>
+          </p:cNvPr>
+          <p:cNvSpPr txBox="1"/>
+          <p:nvPr/>
+        </p:nvSpPr>
+        <p:spPr>
+          <a:xfrm>
+            <a:off x="262630" y="983672"/>
+            <a:ext cx="11371352" cy="707886"/>
+          </a:xfrm>
+          <a:prstGeom prst="rect">
+            <a:avLst/>
+          </a:prstGeom>
+          <a:noFill/>
+        </p:spPr>
+        <p:txBody>
+          <a:bodyPr wrap="square" rtlCol="0">
+            <a:spAutoFit/>
+          </a:bodyPr>
+          <a:lstStyle/>
+          <a:p>
+            <a:pPr algn="l"/>
+            <a:r>
+              <a:rPr lang="en-US" sz="2000" b="0" i="0" dirty="0">
+                <a:solidFill>
+                  <a:srgbClr val="D1D5DB"/>
+                </a:solidFill>
+                <a:effectLst/>
+                <a:latin typeface="Söhne"/>
+              </a:rPr>
+              <a:t>After conducting an analysis, it has been determined that the leading handset manufacturers are Apple, Samsung, and Huawei, with the respective top 5 handsets shown below.</a:t>
+            </a:r>
+          </a:p>
+        </p:txBody>
+      </p:sp>
+      <p:pic>
+        <p:nvPicPr>
+          <p:cNvPr id="5" name="Picture 4">
+            <a:extLst>
+              <a:ext uri="{FF2B5EF4-FFF2-40B4-BE49-F238E27FC236}">
+                <a16:creationId xmlns:a16="http://schemas.microsoft.com/office/drawing/2014/main" id="{DB2DA8ED-7BAF-D4AC-25C0-8EDBC1DDE57C}"/>
+              </a:ext>
+            </a:extLst>
+          </p:cNvPr>
+          <p:cNvPicPr>
+            <a:picLocks noChangeAspect="1"/>
+          </p:cNvPicPr>
+          <p:nvPr/>
+        </p:nvPicPr>
+        <p:blipFill>
+          <a:blip r:embed="rId2"/>
+          <a:stretch>
+            <a:fillRect/>
+          </a:stretch>
+        </p:blipFill>
+        <p:spPr>
+          <a:xfrm>
+            <a:off x="582670" y="2128656"/>
+            <a:ext cx="5058481" cy="2600688"/>
+          </a:xfrm>
+          <a:prstGeom prst="rect">
+            <a:avLst/>
+          </a:prstGeom>
+        </p:spPr>
+      </p:pic>
+      <p:pic>
+        <p:nvPicPr>
+          <p:cNvPr id="7" name="Picture 6">
+            <a:extLst>
+              <a:ext uri="{FF2B5EF4-FFF2-40B4-BE49-F238E27FC236}">
+                <a16:creationId xmlns:a16="http://schemas.microsoft.com/office/drawing/2014/main" id="{51F0E602-B5CF-7D67-D510-381FD05119A6}"/>
+              </a:ext>
+            </a:extLst>
+          </p:cNvPr>
+          <p:cNvPicPr>
+            <a:picLocks noChangeAspect="1"/>
+          </p:cNvPicPr>
+          <p:nvPr/>
+        </p:nvPicPr>
+        <p:blipFill>
+          <a:blip r:embed="rId3"/>
+          <a:stretch>
+            <a:fillRect/>
+          </a:stretch>
+        </p:blipFill>
+        <p:spPr>
+          <a:xfrm>
+            <a:off x="5948306" y="2128656"/>
+            <a:ext cx="4906060" cy="2772162"/>
+          </a:xfrm>
+          <a:prstGeom prst="rect">
+            <a:avLst/>
+          </a:prstGeom>
+        </p:spPr>
+      </p:pic>
+    </p:spTree>
+    <p:extLst>
+      <p:ext uri="{BB962C8B-B14F-4D97-AF65-F5344CB8AC3E}">
+        <p14:creationId xmlns:p14="http://schemas.microsoft.com/office/powerpoint/2010/main" val="2422734458"/>
+      </p:ext>
+    </p:extLst>
+  </p:cSld>
+  <p:clrMapOvr>
+    <a:masterClrMapping/>
+  </p:clrMapOvr>
+</p:sld>
+</file>
+
+<file path=ppt/slides/slide6.xml><?xml version="1.0" encoding="utf-8"?>
+<p:sld xmlns:a="http://schemas.openxmlformats.org/drawingml/2006/main" xmlns:r="http://schemas.openxmlformats.org/officeDocument/2006/relationships" xmlns:p="http://schemas.openxmlformats.org/presentationml/2006/main">
+  <p:cSld>
+    <p:spTree>
+      <p:nvGrpSpPr>
+        <p:cNvPr id="1" name="">
+          <a:extLst>
+            <a:ext uri="{FF2B5EF4-FFF2-40B4-BE49-F238E27FC236}">
+              <a16:creationId xmlns:a16="http://schemas.microsoft.com/office/drawing/2014/main" id="{74062B5F-C4F5-82C0-599F-305AF0EA483B}"/>
+            </a:ext>
+          </a:extLst>
+        </p:cNvPr>
+        <p:cNvGrpSpPr/>
+        <p:nvPr/>
+      </p:nvGrpSpPr>
+      <p:grpSpPr>
+        <a:xfrm>
+          <a:off x="0" y="0"/>
+          <a:ext cx="0" cy="0"/>
+          <a:chOff x="0" y="0"/>
+          <a:chExt cx="0" cy="0"/>
+        </a:xfrm>
+      </p:grpSpPr>
+      <p:sp>
+        <p:nvSpPr>
+          <p:cNvPr id="2" name="Title 1">
+            <a:extLst>
+              <a:ext uri="{FF2B5EF4-FFF2-40B4-BE49-F238E27FC236}">
+                <a16:creationId xmlns:a16="http://schemas.microsoft.com/office/drawing/2014/main" id="{6F57ADBF-7B0F-8B2B-CBD6-B10A414B67BC}"/>
+              </a:ext>
+            </a:extLst>
+          </p:cNvPr>
+          <p:cNvSpPr>
+            <a:spLocks noGrp="1"/>
+          </p:cNvSpPr>
+          <p:nvPr>
+            <p:ph type="title"/>
+          </p:nvPr>
+        </p:nvSpPr>
+        <p:spPr>
+          <a:xfrm>
+            <a:off x="262630" y="166254"/>
+            <a:ext cx="10313930" cy="817418"/>
+          </a:xfrm>
+        </p:spPr>
+        <p:txBody>
+          <a:bodyPr>
+            <a:normAutofit/>
+          </a:bodyPr>
+          <a:lstStyle/>
+          <a:p>
+            <a:pPr algn="l"/>
+            <a:r>
+              <a:rPr lang="it-IT" sz="4100" b="1" dirty="0">
+                <a:effectLst/>
+                <a:latin typeface="Söhne"/>
+              </a:rPr>
+              <a:t>Top 10 Handsets used by </a:t>
+            </a:r>
+            <a:r>
+              <a:rPr lang="it-IT" sz="4100" b="1">
+                <a:effectLst/>
+                <a:latin typeface="Söhne"/>
+              </a:rPr>
+              <a:t>the customers</a:t>
+            </a:r>
+            <a:endParaRPr lang="en-IN" sz="4100" b="1" dirty="0">
+              <a:effectLst/>
+              <a:latin typeface="Söhne"/>
+            </a:endParaRPr>
+          </a:p>
+        </p:txBody>
+      </p:sp>
+      <p:pic>
+        <p:nvPicPr>
+          <p:cNvPr id="4" name="Picture 3">
+            <a:extLst>
+              <a:ext uri="{FF2B5EF4-FFF2-40B4-BE49-F238E27FC236}">
+                <a16:creationId xmlns:a16="http://schemas.microsoft.com/office/drawing/2014/main" id="{670E0D37-7DDF-F08C-AD53-4B4D7520ECBB}"/>
+              </a:ext>
+            </a:extLst>
+          </p:cNvPr>
+          <p:cNvPicPr>
+            <a:picLocks noChangeAspect="1"/>
+          </p:cNvPicPr>
+          <p:nvPr/>
+        </p:nvPicPr>
+        <p:blipFill>
+          <a:blip r:embed="rId2"/>
+          <a:stretch>
+            <a:fillRect/>
+          </a:stretch>
+        </p:blipFill>
+        <p:spPr>
+          <a:xfrm>
+            <a:off x="407305" y="1219948"/>
+            <a:ext cx="5220429" cy="2924583"/>
+          </a:xfrm>
+          <a:prstGeom prst="rect">
+            <a:avLst/>
+          </a:prstGeom>
+        </p:spPr>
+      </p:pic>
+    </p:spTree>
+    <p:extLst>
+      <p:ext uri="{BB962C8B-B14F-4D97-AF65-F5344CB8AC3E}">
+        <p14:creationId xmlns:p14="http://schemas.microsoft.com/office/powerpoint/2010/main" val="909068302"/>
+      </p:ext>
+    </p:extLst>
+  </p:cSld>
+  <p:clrMapOvr>
+    <a:masterClrMapping/>
+  </p:clrMapOvr>
+</p:sld>
+</file>
+
+<file path=ppt/slides/slide7.xml><?xml version="1.0" encoding="utf-8"?>
+<p:sld xmlns:a="http://schemas.openxmlformats.org/drawingml/2006/main" xmlns:r="http://schemas.openxmlformats.org/officeDocument/2006/relationships" xmlns:p="http://schemas.openxmlformats.org/presentationml/2006/main">
+  <p:cSld>
+    <p:spTree>
+      <p:nvGrpSpPr>
         <p:cNvPr id="1" name=""/>
         <p:cNvGrpSpPr/>
         <p:nvPr/>
@@ -8348,7 +9093,7 @@
 </p:sld>
 </file>
 
-<file path=ppt/slides/slide6.xml><?xml version="1.0" encoding="utf-8"?>
+<file path=ppt/slides/slide8.xml><?xml version="1.0" encoding="utf-8"?>
 <p:sld xmlns:a="http://schemas.openxmlformats.org/drawingml/2006/main" xmlns:r="http://schemas.openxmlformats.org/officeDocument/2006/relationships" xmlns:p="http://schemas.openxmlformats.org/presentationml/2006/main">
   <p:cSld>
     <p:spTree>
@@ -8447,409 +9192,6 @@
 </p:sld>
 </file>
 
-<file path=ppt/slides/slide7.xml><?xml version="1.0" encoding="utf-8"?>
-<p:sld xmlns:a="http://schemas.openxmlformats.org/drawingml/2006/main" xmlns:r="http://schemas.openxmlformats.org/officeDocument/2006/relationships" xmlns:p="http://schemas.openxmlformats.org/presentationml/2006/main">
-  <p:cSld>
-    <p:spTree>
-      <p:nvGrpSpPr>
-        <p:cNvPr id="1" name=""/>
-        <p:cNvGrpSpPr/>
-        <p:nvPr/>
-      </p:nvGrpSpPr>
-      <p:grpSpPr>
-        <a:xfrm>
-          <a:off x="0" y="0"/>
-          <a:ext cx="0" cy="0"/>
-          <a:chOff x="0" y="0"/>
-          <a:chExt cx="0" cy="0"/>
-        </a:xfrm>
-      </p:grpSpPr>
-      <p:sp>
-        <p:nvSpPr>
-          <p:cNvPr id="2" name="Title 1">
-            <a:extLst>
-              <a:ext uri="{FF2B5EF4-FFF2-40B4-BE49-F238E27FC236}">
-                <a16:creationId xmlns:a16="http://schemas.microsoft.com/office/drawing/2014/main" id="{610FF4A8-6B3B-148A-88C6-286454AA0E03}"/>
-              </a:ext>
-            </a:extLst>
-          </p:cNvPr>
-          <p:cNvSpPr>
-            <a:spLocks noGrp="1"/>
-          </p:cNvSpPr>
-          <p:nvPr>
-            <p:ph type="title"/>
-          </p:nvPr>
-        </p:nvSpPr>
-        <p:spPr>
-          <a:xfrm>
-            <a:off x="262629" y="166254"/>
-            <a:ext cx="6473451" cy="817418"/>
-          </a:xfrm>
-        </p:spPr>
-        <p:txBody>
-          <a:bodyPr>
-            <a:normAutofit fontScale="90000"/>
-          </a:bodyPr>
-          <a:lstStyle/>
-          <a:p>
-            <a:pPr algn="l"/>
-            <a:r>
-              <a:rPr lang="en-IN" b="1" i="0" dirty="0">
-                <a:effectLst/>
-                <a:latin typeface="Söhne"/>
-              </a:rPr>
-              <a:t>User Engagement Analysis</a:t>
-            </a:r>
-          </a:p>
-        </p:txBody>
-      </p:sp>
-      <p:sp>
-        <p:nvSpPr>
-          <p:cNvPr id="3" name="Content Placeholder 2">
-            <a:extLst>
-              <a:ext uri="{FF2B5EF4-FFF2-40B4-BE49-F238E27FC236}">
-                <a16:creationId xmlns:a16="http://schemas.microsoft.com/office/drawing/2014/main" id="{D31C639C-64D8-DF21-E534-A903F3D64306}"/>
-              </a:ext>
-            </a:extLst>
-          </p:cNvPr>
-          <p:cNvSpPr>
-            <a:spLocks noGrp="1"/>
-          </p:cNvSpPr>
-          <p:nvPr>
-            <p:ph idx="1"/>
-          </p:nvPr>
-        </p:nvSpPr>
-        <p:spPr>
-          <a:xfrm>
-            <a:off x="525867" y="983672"/>
-            <a:ext cx="11028823" cy="2841568"/>
-          </a:xfrm>
-        </p:spPr>
-        <p:txBody>
-          <a:bodyPr>
-            <a:normAutofit/>
-          </a:bodyPr>
-          <a:lstStyle/>
-          <a:p>
-            <a:pPr algn="l"/>
-            <a:r>
-              <a:rPr lang="en-US" b="1" i="0" dirty="0">
-                <a:solidFill>
-                  <a:srgbClr val="D1D5DB"/>
-                </a:solidFill>
-                <a:effectLst/>
-                <a:latin typeface="Söhne"/>
-              </a:rPr>
-              <a:t>To under the engagement of the user on different applications, we have created another dataset </a:t>
-            </a:r>
-            <a:r>
-              <a:rPr lang="en-US" b="1" dirty="0">
-                <a:solidFill>
-                  <a:srgbClr val="D1D5DB"/>
-                </a:solidFill>
-                <a:effectLst/>
-                <a:latin typeface="Söhne"/>
-              </a:rPr>
-              <a:t>named as </a:t>
-            </a:r>
-            <a:r>
-              <a:rPr lang="en-US" b="1" i="0" dirty="0" err="1">
-                <a:solidFill>
-                  <a:srgbClr val="D1D5DB"/>
-                </a:solidFill>
-                <a:effectLst/>
-                <a:latin typeface="Söhne"/>
-              </a:rPr>
-              <a:t>User_Engagement_</a:t>
-            </a:r>
-            <a:r>
-              <a:rPr lang="en-US" b="1" dirty="0" err="1">
-                <a:solidFill>
-                  <a:srgbClr val="D1D5DB"/>
-                </a:solidFill>
-                <a:effectLst/>
-                <a:latin typeface="Söhne"/>
-              </a:rPr>
-              <a:t>D</a:t>
-            </a:r>
-            <a:r>
-              <a:rPr lang="en-US" b="1" i="0" dirty="0" err="1">
-                <a:solidFill>
-                  <a:srgbClr val="D1D5DB"/>
-                </a:solidFill>
-                <a:effectLst/>
-                <a:latin typeface="Söhne"/>
-              </a:rPr>
-              <a:t>ataset</a:t>
-            </a:r>
-            <a:r>
-              <a:rPr lang="en-US" b="1" i="0" dirty="0">
-                <a:solidFill>
-                  <a:srgbClr val="D1D5DB"/>
-                </a:solidFill>
-                <a:effectLst/>
-                <a:latin typeface="Söhne"/>
-              </a:rPr>
-              <a:t> by aggregating following information:</a:t>
-            </a:r>
-          </a:p>
-          <a:p>
-            <a:pPr lvl="1"/>
-            <a:r>
-              <a:rPr lang="en-US" b="1" i="0" dirty="0">
-                <a:solidFill>
-                  <a:srgbClr val="D1D5DB"/>
-                </a:solidFill>
-                <a:effectLst/>
-                <a:latin typeface="Söhne"/>
-              </a:rPr>
-              <a:t>Session's frequency </a:t>
-            </a:r>
-          </a:p>
-          <a:p>
-            <a:pPr lvl="1"/>
-            <a:r>
-              <a:rPr lang="en-US" b="1" i="0" dirty="0">
-                <a:solidFill>
-                  <a:srgbClr val="D1D5DB"/>
-                </a:solidFill>
-                <a:effectLst/>
-                <a:latin typeface="Söhne"/>
-              </a:rPr>
-              <a:t>The duration of the session </a:t>
-            </a:r>
-          </a:p>
-          <a:p>
-            <a:pPr lvl="1"/>
-            <a:r>
-              <a:rPr lang="en-US" b="1" i="0" dirty="0">
-                <a:solidFill>
-                  <a:srgbClr val="D1D5DB"/>
-                </a:solidFill>
-                <a:effectLst/>
-                <a:latin typeface="Söhne"/>
-              </a:rPr>
-              <a:t>The session total traffic (download and upload (bytes))</a:t>
-            </a:r>
-          </a:p>
-          <a:p>
-            <a:pPr marL="450000" lvl="1" indent="0">
-              <a:buNone/>
-            </a:pPr>
-            <a:endParaRPr lang="en-US" b="1" i="0" dirty="0">
-              <a:solidFill>
-                <a:srgbClr val="D1D5DB"/>
-              </a:solidFill>
-              <a:effectLst/>
-              <a:latin typeface="Söhne"/>
-            </a:endParaRPr>
-          </a:p>
-        </p:txBody>
-      </p:sp>
-    </p:spTree>
-    <p:extLst>
-      <p:ext uri="{BB962C8B-B14F-4D97-AF65-F5344CB8AC3E}">
-        <p14:creationId xmlns:p14="http://schemas.microsoft.com/office/powerpoint/2010/main" val="2006685439"/>
-      </p:ext>
-    </p:extLst>
-  </p:cSld>
-  <p:clrMapOvr>
-    <a:masterClrMapping/>
-  </p:clrMapOvr>
-</p:sld>
-</file>
-
-<file path=ppt/slides/slide8.xml><?xml version="1.0" encoding="utf-8"?>
-<p:sld xmlns:a="http://schemas.openxmlformats.org/drawingml/2006/main" xmlns:r="http://schemas.openxmlformats.org/officeDocument/2006/relationships" xmlns:p="http://schemas.openxmlformats.org/presentationml/2006/main">
-  <p:cSld>
-    <p:spTree>
-      <p:nvGrpSpPr>
-        <p:cNvPr id="1" name=""/>
-        <p:cNvGrpSpPr/>
-        <p:nvPr/>
-      </p:nvGrpSpPr>
-      <p:grpSpPr>
-        <a:xfrm>
-          <a:off x="0" y="0"/>
-          <a:ext cx="0" cy="0"/>
-          <a:chOff x="0" y="0"/>
-          <a:chExt cx="0" cy="0"/>
-        </a:xfrm>
-      </p:grpSpPr>
-      <p:sp>
-        <p:nvSpPr>
-          <p:cNvPr id="2" name="Title 1">
-            <a:extLst>
-              <a:ext uri="{FF2B5EF4-FFF2-40B4-BE49-F238E27FC236}">
-                <a16:creationId xmlns:a16="http://schemas.microsoft.com/office/drawing/2014/main" id="{610FF4A8-6B3B-148A-88C6-286454AA0E03}"/>
-              </a:ext>
-            </a:extLst>
-          </p:cNvPr>
-          <p:cNvSpPr>
-            <a:spLocks noGrp="1"/>
-          </p:cNvSpPr>
-          <p:nvPr>
-            <p:ph type="title"/>
-          </p:nvPr>
-        </p:nvSpPr>
-        <p:spPr>
-          <a:xfrm>
-            <a:off x="262629" y="166254"/>
-            <a:ext cx="11292061" cy="817418"/>
-          </a:xfrm>
-        </p:spPr>
-        <p:txBody>
-          <a:bodyPr>
-            <a:normAutofit/>
-          </a:bodyPr>
-          <a:lstStyle/>
-          <a:p>
-            <a:pPr algn="l"/>
-            <a:r>
-              <a:rPr lang="en-US" b="1" dirty="0">
-                <a:solidFill>
-                  <a:srgbClr val="D1D5DB"/>
-                </a:solidFill>
-                <a:effectLst/>
-                <a:latin typeface="Söhne"/>
-              </a:rPr>
-              <a:t>Top 3 most used applications</a:t>
-            </a:r>
-            <a:endParaRPr lang="en-US" b="1" i="0" dirty="0">
-              <a:solidFill>
-                <a:srgbClr val="D1D5DB"/>
-              </a:solidFill>
-              <a:effectLst/>
-              <a:latin typeface="Söhne"/>
-            </a:endParaRPr>
-          </a:p>
-        </p:txBody>
-      </p:sp>
-      <p:pic>
-        <p:nvPicPr>
-          <p:cNvPr id="5" name="Picture 4">
-            <a:extLst>
-              <a:ext uri="{FF2B5EF4-FFF2-40B4-BE49-F238E27FC236}">
-                <a16:creationId xmlns:a16="http://schemas.microsoft.com/office/drawing/2014/main" id="{F284B116-32FB-84F2-0314-C6FB30BA9FFB}"/>
-              </a:ext>
-            </a:extLst>
-          </p:cNvPr>
-          <p:cNvPicPr>
-            <a:picLocks noChangeAspect="1"/>
-          </p:cNvPicPr>
-          <p:nvPr/>
-        </p:nvPicPr>
-        <p:blipFill>
-          <a:blip r:embed="rId2"/>
-          <a:stretch>
-            <a:fillRect/>
-          </a:stretch>
-        </p:blipFill>
-        <p:spPr>
-          <a:xfrm>
-            <a:off x="399789" y="1794162"/>
-            <a:ext cx="6601746" cy="4487565"/>
-          </a:xfrm>
-          <a:prstGeom prst="rect">
-            <a:avLst/>
-          </a:prstGeom>
-        </p:spPr>
-      </p:pic>
-      <p:sp>
-        <p:nvSpPr>
-          <p:cNvPr id="6" name="Content Placeholder 2">
-            <a:extLst>
-              <a:ext uri="{FF2B5EF4-FFF2-40B4-BE49-F238E27FC236}">
-                <a16:creationId xmlns:a16="http://schemas.microsoft.com/office/drawing/2014/main" id="{CAC3C9DB-880D-F30C-CD03-E29D8DC48CDE}"/>
-              </a:ext>
-            </a:extLst>
-          </p:cNvPr>
-          <p:cNvSpPr>
-            <a:spLocks noGrp="1"/>
-          </p:cNvSpPr>
-          <p:nvPr>
-            <p:ph idx="1"/>
-          </p:nvPr>
-        </p:nvSpPr>
-        <p:spPr>
-          <a:xfrm>
-            <a:off x="262629" y="976744"/>
-            <a:ext cx="11028823" cy="817418"/>
-          </a:xfrm>
-        </p:spPr>
-        <p:txBody>
-          <a:bodyPr>
-            <a:normAutofit lnSpcReduction="10000"/>
-          </a:bodyPr>
-          <a:lstStyle/>
-          <a:p>
-            <a:pPr algn="l"/>
-            <a:r>
-              <a:rPr lang="en-US" b="1" i="0" dirty="0">
-                <a:solidFill>
-                  <a:srgbClr val="D1D5DB"/>
-                </a:solidFill>
-                <a:effectLst/>
-                <a:latin typeface="Söhne"/>
-              </a:rPr>
-              <a:t>After conducting analysis on </a:t>
-            </a:r>
-            <a:r>
-              <a:rPr lang="en-US" b="1" i="0" dirty="0" err="1">
-                <a:solidFill>
-                  <a:srgbClr val="D1D5DB"/>
-                </a:solidFill>
-                <a:effectLst/>
-                <a:latin typeface="Söhne"/>
-              </a:rPr>
-              <a:t>User_Engagement_Dtatset</a:t>
-            </a:r>
-            <a:r>
-              <a:rPr lang="en-US" b="1" i="0" dirty="0">
-                <a:solidFill>
-                  <a:srgbClr val="D1D5DB"/>
-                </a:solidFill>
-                <a:effectLst/>
-                <a:latin typeface="Söhne"/>
-              </a:rPr>
-              <a:t>, it was determined that users are mostly using traffic for Gaming, Other and </a:t>
-            </a:r>
-            <a:r>
-              <a:rPr lang="en-US" b="1" i="0" dirty="0" err="1">
-                <a:solidFill>
-                  <a:srgbClr val="D1D5DB"/>
-                </a:solidFill>
-                <a:effectLst/>
-                <a:latin typeface="Söhne"/>
-              </a:rPr>
-              <a:t>Youtube</a:t>
-            </a:r>
-            <a:r>
-              <a:rPr lang="en-US" b="1" i="0" dirty="0">
-                <a:solidFill>
-                  <a:srgbClr val="D1D5DB"/>
-                </a:solidFill>
-                <a:effectLst/>
-                <a:latin typeface="Söhne"/>
-              </a:rPr>
-              <a:t>.</a:t>
-            </a:r>
-          </a:p>
-        </p:txBody>
-      </p:sp>
-    </p:spTree>
-    <p:extLst>
-      <p:ext uri="{BB962C8B-B14F-4D97-AF65-F5344CB8AC3E}">
-        <p14:creationId xmlns:p14="http://schemas.microsoft.com/office/powerpoint/2010/main" val="2713305161"/>
-      </p:ext>
-    </p:extLst>
-  </p:cSld>
-  <p:clrMapOvr>
-    <a:masterClrMapping/>
-  </p:clrMapOvr>
-</p:sld>
-</file>
-
 <file path=ppt/slides/slide9.xml><?xml version="1.0" encoding="utf-8"?>
 <p:sld xmlns:a="http://schemas.openxmlformats.org/drawingml/2006/main" xmlns:r="http://schemas.openxmlformats.org/officeDocument/2006/relationships" xmlns:p="http://schemas.openxmlformats.org/presentationml/2006/main">
   <p:cSld>
@@ -8886,12 +9228,12 @@
         <p:spPr>
           <a:xfrm>
             <a:off x="262629" y="166254"/>
-            <a:ext cx="8165091" cy="817418"/>
+            <a:ext cx="6473451" cy="817418"/>
           </a:xfrm>
         </p:spPr>
         <p:txBody>
           <a:bodyPr>
-            <a:normAutofit/>
+            <a:normAutofit fontScale="90000"/>
           </a:bodyPr>
           <a:lstStyle/>
           <a:p>
@@ -8901,7 +9243,7 @@
                 <a:effectLst/>
                 <a:latin typeface="Söhne"/>
               </a:rPr>
-              <a:t>Elbow method to find Optimal K</a:t>
+              <a:t>User Engagement Analysis</a:t>
             </a:r>
           </a:p>
         </p:txBody>
@@ -8925,7 +9267,7 @@
         <p:spPr>
           <a:xfrm>
             <a:off x="525867" y="983672"/>
-            <a:ext cx="11028823" cy="692728"/>
+            <a:ext cx="11028823" cy="2841568"/>
           </a:xfrm>
         </p:spPr>
         <p:txBody>
@@ -8936,26 +9278,110 @@
           <a:p>
             <a:pPr algn="l"/>
             <a:r>
-              <a:rPr lang="en-US" b="1" dirty="0">
+              <a:rPr lang="en-US" b="1" i="0" dirty="0">
                 <a:solidFill>
                   <a:srgbClr val="D1D5DB"/>
                 </a:solidFill>
                 <a:effectLst/>
                 <a:latin typeface="Söhne"/>
               </a:rPr>
-              <a:t>We found that optimal K is 2 for the </a:t>
-            </a:r>
-            <a:r>
-              <a:rPr lang="en-US" b="1" dirty="0" err="1">
+              <a:t>To under the engagement of the user on different applications, we have created another dataset </a:t>
+            </a:r>
+            <a:r>
+              <a:rPr lang="en-US" b="1" dirty="0">
                 <a:solidFill>
                   <a:srgbClr val="D1D5DB"/>
                 </a:solidFill>
                 <a:effectLst/>
                 <a:latin typeface="Söhne"/>
               </a:rPr>
-              <a:t>User_Engagement_Dataset</a:t>
-            </a:r>
-            <a:endParaRPr lang="en-US" b="0" i="0" dirty="0">
+              <a:t>named as </a:t>
+            </a:r>
+            <a:r>
+              <a:rPr lang="en-US" b="1" i="0" dirty="0" err="1">
+                <a:solidFill>
+                  <a:srgbClr val="D1D5DB"/>
+                </a:solidFill>
+                <a:effectLst/>
+                <a:latin typeface="Söhne"/>
+              </a:rPr>
+              <a:t>User_Engagement_</a:t>
+            </a:r>
+            <a:r>
+              <a:rPr lang="en-US" b="1" dirty="0" err="1">
+                <a:solidFill>
+                  <a:srgbClr val="D1D5DB"/>
+                </a:solidFill>
+                <a:effectLst/>
+                <a:latin typeface="Söhne"/>
+              </a:rPr>
+              <a:t>D</a:t>
+            </a:r>
+            <a:r>
+              <a:rPr lang="en-US" b="1" i="0" dirty="0" err="1">
+                <a:solidFill>
+                  <a:srgbClr val="D1D5DB"/>
+                </a:solidFill>
+                <a:effectLst/>
+                <a:latin typeface="Söhne"/>
+              </a:rPr>
+              <a:t>ataset</a:t>
+            </a:r>
+            <a:r>
+              <a:rPr lang="en-US" b="1" i="0" dirty="0">
+                <a:solidFill>
+                  <a:srgbClr val="D1D5DB"/>
+                </a:solidFill>
+                <a:effectLst/>
+                <a:latin typeface="Söhne"/>
+              </a:rPr>
+              <a:t> by aggregating following information:</a:t>
+            </a:r>
+          </a:p>
+          <a:p>
+            <a:pPr lvl="1"/>
+            <a:r>
+              <a:rPr lang="en-US" b="1" i="0" dirty="0">
+                <a:solidFill>
+                  <a:srgbClr val="D1D5DB"/>
+                </a:solidFill>
+                <a:effectLst/>
+                <a:latin typeface="Söhne"/>
+              </a:rPr>
+              <a:t>Session's frequency </a:t>
+            </a:r>
+          </a:p>
+          <a:p>
+            <a:pPr lvl="1"/>
+            <a:r>
+              <a:rPr lang="en-US" b="1" i="0" dirty="0">
+                <a:solidFill>
+                  <a:srgbClr val="D1D5DB"/>
+                </a:solidFill>
+                <a:effectLst/>
+                <a:latin typeface="Söhne"/>
+              </a:rPr>
+              <a:t>The duration of the session </a:t>
+            </a:r>
+          </a:p>
+          <a:p>
+            <a:pPr lvl="1"/>
+            <a:r>
+              <a:rPr lang="en-US" b="1" i="0" dirty="0">
+                <a:solidFill>
+                  <a:srgbClr val="D1D5DB"/>
+                </a:solidFill>
+                <a:effectLst/>
+                <a:latin typeface="Söhne"/>
+              </a:rPr>
+              <a:t>The session total traffic (download and upload (bytes))</a:t>
+            </a:r>
+          </a:p>
+          <a:p>
+            <a:pPr marL="450000" lvl="1" indent="0">
+              <a:buNone/>
+            </a:pPr>
+            <a:endParaRPr lang="en-US" b="1" i="0" dirty="0">
               <a:solidFill>
                 <a:srgbClr val="D1D5DB"/>
               </a:solidFill>
@@ -8965,40 +9391,10 @@
           </a:p>
         </p:txBody>
       </p:sp>
-      <p:pic>
-        <p:nvPicPr>
-          <p:cNvPr id="5" name="Picture 4">
-            <a:extLst>
-              <a:ext uri="{FF2B5EF4-FFF2-40B4-BE49-F238E27FC236}">
-                <a16:creationId xmlns:a16="http://schemas.microsoft.com/office/drawing/2014/main" id="{4236CA0D-5108-40F5-D29B-14EEDD6D0E47}"/>
-              </a:ext>
-            </a:extLst>
-          </p:cNvPr>
-          <p:cNvPicPr>
-            <a:picLocks noChangeAspect="1"/>
-          </p:cNvPicPr>
-          <p:nvPr/>
-        </p:nvPicPr>
-        <p:blipFill>
-          <a:blip r:embed="rId2"/>
-          <a:stretch>
-            <a:fillRect/>
-          </a:stretch>
-        </p:blipFill>
-        <p:spPr>
-          <a:xfrm>
-            <a:off x="525867" y="1676400"/>
-            <a:ext cx="5249008" cy="4115374"/>
-          </a:xfrm>
-          <a:prstGeom prst="rect">
-            <a:avLst/>
-          </a:prstGeom>
-        </p:spPr>
-      </p:pic>
     </p:spTree>
     <p:extLst>
       <p:ext uri="{BB962C8B-B14F-4D97-AF65-F5344CB8AC3E}">
-        <p14:creationId xmlns:p14="http://schemas.microsoft.com/office/powerpoint/2010/main" val="3341939412"/>
+        <p14:creationId xmlns:p14="http://schemas.microsoft.com/office/powerpoint/2010/main" val="2006685439"/>
       </p:ext>
     </p:extLst>
   </p:cSld>
@@ -9191,21 +9587,21 @@
 </file>
 
 <file path=customXml/item1.xml><?xml version="1.0" encoding="utf-8"?>
+<p:properties xmlns:p="http://schemas.microsoft.com/office/2006/metadata/properties" xmlns:xsi="http://www.w3.org/2001/XMLSchema-instance" xmlns:pc="http://schemas.microsoft.com/office/infopath/2007/PartnerControls">
+  <documentManagement>
+    <Status xmlns="71af3243-3dd4-4a8d-8c0d-dd76da1f02a5">Not started</Status>
+    <MediaServiceKeyPoints xmlns="71af3243-3dd4-4a8d-8c0d-dd76da1f02a5" xsi:nil="true"/>
+  </documentManagement>
+</p:properties>
+</file>
+
+<file path=customXml/item2.xml><?xml version="1.0" encoding="utf-8"?>
 <?mso-contentType ?>
 <FormTemplates xmlns="http://schemas.microsoft.com/sharepoint/v3/contenttype/forms">
   <Display>DocumentLibraryForm</Display>
   <Edit>DocumentLibraryForm</Edit>
   <New>DocumentLibraryForm</New>
 </FormTemplates>
-</file>
-
-<file path=customXml/item2.xml><?xml version="1.0" encoding="utf-8"?>
-<p:properties xmlns:p="http://schemas.microsoft.com/office/2006/metadata/properties" xmlns:xsi="http://www.w3.org/2001/XMLSchema-instance" xmlns:pc="http://schemas.microsoft.com/office/infopath/2007/PartnerControls">
-  <documentManagement>
-    <Status xmlns="71af3243-3dd4-4a8d-8c0d-dd76da1f02a5">Not started</Status>
-    <MediaServiceKeyPoints xmlns="71af3243-3dd4-4a8d-8c0d-dd76da1f02a5" xsi:nil="true"/>
-  </documentManagement>
-</p:properties>
 </file>
 
 <file path=customXml/item3.xml><?xml version="1.0" encoding="utf-8"?>
@@ -9430,19 +9826,19 @@
 </file>
 
 <file path=customXml/itemProps1.xml><?xml version="1.0" encoding="utf-8"?>
-<ds:datastoreItem xmlns:ds="http://schemas.openxmlformats.org/officeDocument/2006/customXml" ds:itemID="{30CB38EC-895A-4F8F-8F75-E263501ABB5A}">
+<ds:datastoreItem xmlns:ds="http://schemas.openxmlformats.org/officeDocument/2006/customXml" ds:itemID="{F7E70FC5-1855-47AB-8CE1-CB3C873A8988}">
   <ds:schemaRefs>
-    <ds:schemaRef ds:uri="http://schemas.microsoft.com/sharepoint/v3/contenttype/forms"/>
+    <ds:schemaRef ds:uri="http://schemas.microsoft.com/office/2006/metadata/properties"/>
+    <ds:schemaRef ds:uri="http://schemas.microsoft.com/office/infopath/2007/PartnerControls"/>
+    <ds:schemaRef ds:uri="71af3243-3dd4-4a8d-8c0d-dd76da1f02a5"/>
   </ds:schemaRefs>
 </ds:datastoreItem>
 </file>
 
 <file path=customXml/itemProps2.xml><?xml version="1.0" encoding="utf-8"?>
-<ds:datastoreItem xmlns:ds="http://schemas.openxmlformats.org/officeDocument/2006/customXml" ds:itemID="{F7E70FC5-1855-47AB-8CE1-CB3C873A8988}">
+<ds:datastoreItem xmlns:ds="http://schemas.openxmlformats.org/officeDocument/2006/customXml" ds:itemID="{30CB38EC-895A-4F8F-8F75-E263501ABB5A}">
   <ds:schemaRefs>
-    <ds:schemaRef ds:uri="http://schemas.microsoft.com/office/2006/metadata/properties"/>
-    <ds:schemaRef ds:uri="http://schemas.microsoft.com/office/infopath/2007/PartnerControls"/>
-    <ds:schemaRef ds:uri="71af3243-3dd4-4a8d-8c0d-dd76da1f02a5"/>
+    <ds:schemaRef ds:uri="http://schemas.microsoft.com/sharepoint/v3/contenttype/forms"/>
   </ds:schemaRefs>
 </ds:datastoreItem>
 </file>
